--- a/卒業論文/2016/川崎貴雅/中間発表/1442043_川崎貴雅_中間発表.pptx
+++ b/卒業論文/2016/川崎貴雅/中間発表/1442043_川崎貴雅_中間発表.pptx
@@ -243,7 +243,7 @@
           <a:p>
             <a:fld id="{48E67838-FB87-4DA7-816B-567AA6FFC73A}" type="datetimeFigureOut">
               <a:rPr kumimoji="1" lang="ja-JP" altLang="en-US" smtClean="0"/>
-              <a:t>2017/10/10</a:t>
+              <a:t>2017/10/12</a:t>
             </a:fld>
             <a:endParaRPr kumimoji="1" lang="ja-JP" altLang="en-US"/>
           </a:p>
@@ -445,7 +445,7 @@
           <a:p>
             <a:fld id="{48E67838-FB87-4DA7-816B-567AA6FFC73A}" type="datetimeFigureOut">
               <a:rPr kumimoji="1" lang="ja-JP" altLang="en-US" smtClean="0"/>
-              <a:t>2017/10/10</a:t>
+              <a:t>2017/10/12</a:t>
             </a:fld>
             <a:endParaRPr kumimoji="1" lang="ja-JP" altLang="en-US"/>
           </a:p>
@@ -657,7 +657,7 @@
           <a:p>
             <a:fld id="{48E67838-FB87-4DA7-816B-567AA6FFC73A}" type="datetimeFigureOut">
               <a:rPr kumimoji="1" lang="ja-JP" altLang="en-US" smtClean="0"/>
-              <a:t>2017/10/10</a:t>
+              <a:t>2017/10/12</a:t>
             </a:fld>
             <a:endParaRPr kumimoji="1" lang="ja-JP" altLang="en-US"/>
           </a:p>
@@ -859,7 +859,7 @@
           <a:p>
             <a:fld id="{48E67838-FB87-4DA7-816B-567AA6FFC73A}" type="datetimeFigureOut">
               <a:rPr kumimoji="1" lang="ja-JP" altLang="en-US" smtClean="0"/>
-              <a:t>2017/10/10</a:t>
+              <a:t>2017/10/12</a:t>
             </a:fld>
             <a:endParaRPr kumimoji="1" lang="ja-JP" altLang="en-US"/>
           </a:p>
@@ -1103,7 +1103,7 @@
           <a:p>
             <a:fld id="{48E67838-FB87-4DA7-816B-567AA6FFC73A}" type="datetimeFigureOut">
               <a:rPr kumimoji="1" lang="ja-JP" altLang="en-US" smtClean="0"/>
-              <a:t>2017/10/10</a:t>
+              <a:t>2017/10/12</a:t>
             </a:fld>
             <a:endParaRPr kumimoji="1" lang="ja-JP" altLang="en-US"/>
           </a:p>
@@ -1399,7 +1399,7 @@
           <a:p>
             <a:fld id="{48E67838-FB87-4DA7-816B-567AA6FFC73A}" type="datetimeFigureOut">
               <a:rPr kumimoji="1" lang="ja-JP" altLang="en-US" smtClean="0"/>
-              <a:t>2017/10/10</a:t>
+              <a:t>2017/10/12</a:t>
             </a:fld>
             <a:endParaRPr kumimoji="1" lang="ja-JP" altLang="en-US"/>
           </a:p>
@@ -1830,7 +1830,7 @@
           <a:p>
             <a:fld id="{48E67838-FB87-4DA7-816B-567AA6FFC73A}" type="datetimeFigureOut">
               <a:rPr kumimoji="1" lang="ja-JP" altLang="en-US" smtClean="0"/>
-              <a:t>2017/10/10</a:t>
+              <a:t>2017/10/12</a:t>
             </a:fld>
             <a:endParaRPr kumimoji="1" lang="ja-JP" altLang="en-US"/>
           </a:p>
@@ -1948,7 +1948,7 @@
           <a:p>
             <a:fld id="{48E67838-FB87-4DA7-816B-567AA6FFC73A}" type="datetimeFigureOut">
               <a:rPr kumimoji="1" lang="ja-JP" altLang="en-US" smtClean="0"/>
-              <a:t>2017/10/10</a:t>
+              <a:t>2017/10/12</a:t>
             </a:fld>
             <a:endParaRPr kumimoji="1" lang="ja-JP" altLang="en-US"/>
           </a:p>
@@ -2043,7 +2043,7 @@
           <a:p>
             <a:fld id="{48E67838-FB87-4DA7-816B-567AA6FFC73A}" type="datetimeFigureOut">
               <a:rPr kumimoji="1" lang="ja-JP" altLang="en-US" smtClean="0"/>
-              <a:t>2017/10/10</a:t>
+              <a:t>2017/10/12</a:t>
             </a:fld>
             <a:endParaRPr kumimoji="1" lang="ja-JP" altLang="en-US"/>
           </a:p>
@@ -2352,7 +2352,7 @@
           <a:p>
             <a:fld id="{48E67838-FB87-4DA7-816B-567AA6FFC73A}" type="datetimeFigureOut">
               <a:rPr kumimoji="1" lang="ja-JP" altLang="en-US" smtClean="0"/>
-              <a:t>2017/10/10</a:t>
+              <a:t>2017/10/12</a:t>
             </a:fld>
             <a:endParaRPr kumimoji="1" lang="ja-JP" altLang="en-US"/>
           </a:p>
@@ -2609,7 +2609,7 @@
           <a:p>
             <a:fld id="{48E67838-FB87-4DA7-816B-567AA6FFC73A}" type="datetimeFigureOut">
               <a:rPr kumimoji="1" lang="ja-JP" altLang="en-US" smtClean="0"/>
-              <a:t>2017/10/10</a:t>
+              <a:t>2017/10/12</a:t>
             </a:fld>
             <a:endParaRPr kumimoji="1" lang="ja-JP" altLang="en-US"/>
           </a:p>
@@ -2854,7 +2854,7 @@
           <a:p>
             <a:fld id="{48E67838-FB87-4DA7-816B-567AA6FFC73A}" type="datetimeFigureOut">
               <a:rPr kumimoji="1" lang="ja-JP" altLang="en-US" smtClean="0"/>
-              <a:t>2017/10/10</a:t>
+              <a:t>2017/10/12</a:t>
             </a:fld>
             <a:endParaRPr kumimoji="1" lang="ja-JP" altLang="en-US"/>
           </a:p>
@@ -3579,7 +3579,15 @@
             </a:r>
             <a:r>
               <a:rPr kumimoji="1" lang="ja-JP" altLang="en-US" sz="3200" dirty="0" smtClean="0"/>
-              <a:t>トレーニング用の課題・小テストを作成する．</a:t>
+              <a:t>トレーニング用の課題・小テスト</a:t>
+            </a:r>
+            <a:r>
+              <a:rPr kumimoji="1" lang="ja-JP" altLang="en-US" sz="3200" dirty="0" smtClean="0"/>
+              <a:t>を製作する</a:t>
+            </a:r>
+            <a:r>
+              <a:rPr kumimoji="1" lang="ja-JP" altLang="en-US" sz="3200" dirty="0" smtClean="0"/>
+              <a:t>．</a:t>
             </a:r>
             <a:endParaRPr kumimoji="1" lang="ja-JP" altLang="en-US" sz="3200" dirty="0"/>
           </a:p>
@@ -3882,8 +3890,8 @@
         </p:nvSpPr>
         <p:spPr>
           <a:xfrm>
-            <a:off x="718546" y="20955752"/>
-            <a:ext cx="7783213" cy="1569660"/>
+            <a:off x="802396" y="20676863"/>
+            <a:ext cx="7783213" cy="3046988"/>
           </a:xfrm>
           <a:prstGeom prst="rect">
             <a:avLst/>
@@ -3913,12 +3921,39 @@
               <a:t>PM</a:t>
             </a:r>
             <a:r>
+              <a:rPr lang="ja-JP" altLang="en-US" sz="3200" dirty="0" smtClean="0"/>
+              <a:t>トレーニング課題</a:t>
+            </a:r>
+            <a:endParaRPr lang="en-US" altLang="ja-JP" sz="3200" dirty="0" smtClean="0"/>
+          </a:p>
+          <a:p>
+            <a:r>
+              <a:rPr lang="ja-JP" altLang="en-US" sz="3200" dirty="0" smtClean="0"/>
+              <a:t>現在製作しているのは倉庫</a:t>
+            </a:r>
+            <a:r>
               <a:rPr lang="ja-JP" altLang="en-US" sz="3200" dirty="0"/>
-              <a:t>トレーニング</a:t>
+              <a:t>を資金と時間と</a:t>
             </a:r>
             <a:r>
               <a:rPr lang="ja-JP" altLang="en-US" sz="3200" dirty="0" smtClean="0"/>
-              <a:t>課題</a:t>
+              <a:t>品質の</a:t>
+            </a:r>
+            <a:r>
+              <a:rPr lang="ja-JP" altLang="en-US" sz="3200" dirty="0" smtClean="0"/>
+              <a:t>要素</a:t>
+            </a:r>
+            <a:r>
+              <a:rPr lang="ja-JP" altLang="en-US" sz="3200" dirty="0"/>
+              <a:t>から一番利益が出る</a:t>
+            </a:r>
+            <a:r>
+              <a:rPr lang="ja-JP" altLang="en-US" sz="3200" dirty="0" smtClean="0"/>
+              <a:t>方法を考案・実行</a:t>
+            </a:r>
+            <a:r>
+              <a:rPr lang="ja-JP" altLang="en-US" sz="3200" dirty="0"/>
+              <a:t>するというものである．</a:t>
             </a:r>
             <a:endParaRPr lang="en-US" altLang="ja-JP" sz="3200" dirty="0" smtClean="0"/>
           </a:p>
@@ -3929,19 +3964,11 @@
             </a:pPr>
             <a:r>
               <a:rPr lang="ja-JP" altLang="en-US" sz="3200" dirty="0" smtClean="0"/>
-              <a:t>小テスト</a:t>
+              <a:t>小テスト・小テストの結果一覧</a:t>
             </a:r>
             <a:endParaRPr lang="en-US" altLang="ja-JP" sz="3200" dirty="0" smtClean="0"/>
           </a:p>
           <a:p>
-            <a:pPr marL="457200" indent="-457200">
-              <a:buFont typeface="Arial" panose="020B0604020202020204" pitchFamily="34" charset="0"/>
-              <a:buChar char="•"/>
-            </a:pPr>
-            <a:r>
-              <a:rPr lang="ja-JP" altLang="en-US" sz="3200" dirty="0" smtClean="0"/>
-              <a:t>小テストの結果一覧</a:t>
-            </a:r>
             <a:endParaRPr lang="en-US" altLang="ja-JP" sz="3200" dirty="0" smtClean="0"/>
           </a:p>
         </p:txBody>
@@ -4034,7 +4061,7 @@
           <a:lstStyle/>
           <a:p>
             <a:pPr algn="ctr"/>
-            <a:endParaRPr kumimoji="1" lang="ja-JP" altLang="en-US"/>
+            <a:endParaRPr kumimoji="1" lang="ja-JP" altLang="en-US" dirty="0"/>
           </a:p>
         </p:txBody>
       </p:sp>
@@ -4096,8 +4123,8 @@
         </p:nvSpPr>
         <p:spPr>
           <a:xfrm>
-            <a:off x="10012587" y="20863890"/>
-            <a:ext cx="9848876" cy="2554545"/>
+            <a:off x="10211093" y="20659397"/>
+            <a:ext cx="9848876" cy="3046988"/>
           </a:xfrm>
           <a:prstGeom prst="rect">
             <a:avLst/>
@@ -4116,11 +4143,11 @@
             </a:pPr>
             <a:r>
               <a:rPr lang="ja-JP" altLang="en-US" sz="3200" dirty="0"/>
-              <a:t>教育活用例を調査し，課題に活用するのは</a:t>
+              <a:t>教育活用例を調査し，課題に活用するのは資金と時間と</a:t>
             </a:r>
             <a:r>
               <a:rPr lang="ja-JP" altLang="en-US" sz="3200" dirty="0" smtClean="0"/>
-              <a:t>トレードオフ</a:t>
+              <a:t>品質から出来るトレードオフ</a:t>
             </a:r>
             <a:r>
               <a:rPr lang="ja-JP" altLang="en-US" sz="3200" dirty="0"/>
@@ -4162,7 +4189,11 @@
             </a:r>
             <a:r>
               <a:rPr lang="ja-JP" altLang="en-US" sz="3200" dirty="0"/>
-              <a:t>調査をしている．</a:t>
+              <a:t>調査をしている</a:t>
+            </a:r>
+            <a:r>
+              <a:rPr lang="ja-JP" altLang="en-US" sz="3200" dirty="0" smtClean="0"/>
+              <a:t>．</a:t>
             </a:r>
             <a:endParaRPr lang="en-US" altLang="ja-JP" sz="3200" dirty="0" smtClean="0"/>
           </a:p>
@@ -4176,8 +4207,8 @@
         </p:nvSpPr>
         <p:spPr>
           <a:xfrm>
-            <a:off x="944055" y="26250111"/>
-            <a:ext cx="16726054" cy="2554545"/>
+            <a:off x="740055" y="25917711"/>
+            <a:ext cx="20315177" cy="3046988"/>
           </a:xfrm>
           <a:prstGeom prst="rect">
             <a:avLst/>
@@ -4212,11 +4243,18 @@
             </a:r>
             <a:r>
               <a:rPr lang="ja-JP" altLang="en-US" sz="3200" dirty="0"/>
-              <a:t>の関係を用いた課題の</a:t>
+              <a:t>の関係を用いた課題</a:t>
             </a:r>
             <a:r>
               <a:rPr lang="ja-JP" altLang="en-US" sz="3200" dirty="0" smtClean="0"/>
-              <a:t>製作し体験</a:t>
+              <a:t>をゲームデザイン関連の書籍を用いて修正を行い</a:t>
+            </a:r>
+            <a:endParaRPr lang="en-US" altLang="ja-JP" sz="3200" dirty="0" smtClean="0"/>
+          </a:p>
+          <a:p>
+            <a:r>
+              <a:rPr lang="ja-JP" altLang="en-US" sz="3200" dirty="0" smtClean="0"/>
+              <a:t>体験</a:t>
             </a:r>
             <a:r>
               <a:rPr lang="ja-JP" altLang="en-US" sz="3200" dirty="0"/>
@@ -4439,7 +4477,6 @@
               <a:rPr lang="ja-JP" altLang="en-US" sz="3200" dirty="0"/>
               <a:t>の教育活用例の調査</a:t>
             </a:r>
-            <a:endParaRPr lang="ja-JP" altLang="en-US" sz="3200" dirty="0"/>
           </a:p>
         </p:txBody>
       </p:sp>
@@ -4451,8 +4488,8 @@
         </p:nvSpPr>
         <p:spPr>
           <a:xfrm>
-            <a:off x="12673959" y="14754995"/>
-            <a:ext cx="4923144" cy="584775"/>
+            <a:off x="12673960" y="14754995"/>
+            <a:ext cx="4923143" cy="584775"/>
           </a:xfrm>
           <a:prstGeom prst="rect">
             <a:avLst/>
@@ -4476,11 +4513,11 @@
             </a:r>
             <a:r>
               <a:rPr lang="ja-JP" altLang="en-US" sz="3200" dirty="0" smtClean="0"/>
-              <a:t>課題の</a:t>
-            </a:r>
-            <a:r>
-              <a:rPr lang="ja-JP" altLang="en-US" sz="3200" dirty="0"/>
-              <a:t>作成</a:t>
+              <a:t>課題</a:t>
+            </a:r>
+            <a:r>
+              <a:rPr lang="ja-JP" altLang="en-US" sz="3200" dirty="0" smtClean="0"/>
+              <a:t>の製作</a:t>
             </a:r>
             <a:endParaRPr lang="ja-JP" altLang="en-US" sz="3200" dirty="0"/>
           </a:p>
@@ -4521,7 +4558,6 @@
               <a:rPr lang="ja-JP" altLang="en-US" sz="3200" dirty="0"/>
               <a:t>実施</a:t>
             </a:r>
-            <a:endParaRPr lang="ja-JP" altLang="en-US" sz="3200" dirty="0"/>
           </a:p>
         </p:txBody>
       </p:sp>
@@ -4799,9 +4835,66 @@
           </a:p>
         </p:txBody>
       </p:sp>
+      <p:sp>
+        <p:nvSpPr>
+          <p:cNvPr id="53" name="テキスト ボックス 52"/>
+          <p:cNvSpPr txBox="1"/>
+          <p:nvPr/>
+        </p:nvSpPr>
+        <p:spPr>
+          <a:xfrm>
+            <a:off x="13401369" y="9269064"/>
+            <a:ext cx="3033203" cy="707886"/>
+          </a:xfrm>
+          <a:prstGeom prst="rect">
+            <a:avLst/>
+          </a:prstGeom>
+          <a:noFill/>
+        </p:spPr>
+        <p:txBody>
+          <a:bodyPr wrap="none" rtlCol="0">
+            <a:spAutoFit/>
+          </a:bodyPr>
+          <a:lstStyle/>
+          <a:p>
+            <a:r>
+              <a:rPr kumimoji="1" lang="ja-JP" altLang="en-US" sz="2000" dirty="0" smtClean="0"/>
+              <a:t>図</a:t>
+            </a:r>
+            <a:r>
+              <a:rPr kumimoji="1" lang="en-US" altLang="ja-JP" sz="2000" dirty="0" smtClean="0"/>
+              <a:t>1</a:t>
+            </a:r>
+            <a:r>
+              <a:rPr kumimoji="1" lang="ja-JP" altLang="en-US" sz="2000" dirty="0" smtClean="0"/>
+              <a:t>：</a:t>
+            </a:r>
+            <a:r>
+              <a:rPr kumimoji="1" lang="en-US" altLang="ja-JP" sz="2000" dirty="0" smtClean="0"/>
+              <a:t>Minecraft</a:t>
+            </a:r>
+            <a:r>
+              <a:rPr kumimoji="1" lang="ja-JP" altLang="en-US" sz="2000" dirty="0" smtClean="0"/>
+              <a:t>で作られた</a:t>
+            </a:r>
+            <a:endParaRPr kumimoji="1" lang="en-US" altLang="ja-JP" sz="2000" dirty="0" smtClean="0"/>
+          </a:p>
+          <a:p>
+            <a:r>
+              <a:rPr lang="ja-JP" altLang="en-US" sz="2000" dirty="0"/>
+              <a:t> </a:t>
+            </a:r>
+            <a:r>
+              <a:rPr lang="ja-JP" altLang="en-US" sz="2000" dirty="0" smtClean="0"/>
+              <a:t>      獨協大学のキャンパス</a:t>
+            </a:r>
+            <a:endParaRPr kumimoji="1" lang="ja-JP" altLang="en-US" sz="2000" dirty="0"/>
+          </a:p>
+        </p:txBody>
+      </p:sp>
       <p:pic>
         <p:nvPicPr>
-          <p:cNvPr id="52" name="図 51"/>
+          <p:cNvPr id="2" name="図 1"/>
           <p:cNvPicPr>
             <a:picLocks noChangeAspect="1"/>
           </p:cNvPicPr>
@@ -4815,24 +4908,48 @@
         </p:blipFill>
         <p:spPr>
           <a:xfrm>
-            <a:off x="13764126" y="5569745"/>
-            <a:ext cx="6335472" cy="3242777"/>
+            <a:off x="13232990" y="6797356"/>
+            <a:ext cx="3305842" cy="2172654"/>
           </a:xfrm>
           <a:prstGeom prst="rect">
             <a:avLst/>
           </a:prstGeom>
         </p:spPr>
       </p:pic>
-      <p:sp>
-        <p:nvSpPr>
-          <p:cNvPr id="53" name="テキスト ボックス 52"/>
+      <p:pic>
+        <p:nvPicPr>
+          <p:cNvPr id="9" name="図 8"/>
+          <p:cNvPicPr>
+            <a:picLocks noChangeAspect="1"/>
+          </p:cNvPicPr>
+          <p:nvPr/>
+        </p:nvPicPr>
+        <p:blipFill>
+          <a:blip r:embed="rId4"/>
+          <a:stretch>
+            <a:fillRect/>
+          </a:stretch>
+        </p:blipFill>
+        <p:spPr>
+          <a:xfrm>
+            <a:off x="16961593" y="6724862"/>
+            <a:ext cx="3468504" cy="2330180"/>
+          </a:xfrm>
+          <a:prstGeom prst="rect">
+            <a:avLst/>
+          </a:prstGeom>
+        </p:spPr>
+      </p:pic>
+      <p:sp>
+        <p:nvSpPr>
+          <p:cNvPr id="11" name="テキスト ボックス 10"/>
           <p:cNvSpPr txBox="1"/>
           <p:nvPr/>
         </p:nvSpPr>
         <p:spPr>
           <a:xfrm>
-            <a:off x="14382973" y="9254113"/>
-            <a:ext cx="5010154" cy="400110"/>
+            <a:off x="17072644" y="9262890"/>
+            <a:ext cx="3246402" cy="707886"/>
           </a:xfrm>
           <a:prstGeom prst="rect">
             <a:avLst/>
@@ -4847,13 +4964,62 @@
           <a:p>
             <a:r>
               <a:rPr kumimoji="1" lang="ja-JP" altLang="en-US" sz="2000" dirty="0" smtClean="0"/>
-              <a:t>図：教育特化型の</a:t>
-            </a:r>
-            <a:r>
-              <a:rPr lang="en-US" altLang="ja-JP" sz="2000" dirty="0"/>
-              <a:t>Minecraft Education Edition</a:t>
+              <a:t>図</a:t>
+            </a:r>
+            <a:r>
+              <a:rPr kumimoji="1" lang="en-US" altLang="ja-JP" sz="2000" dirty="0" smtClean="0"/>
+              <a:t>2</a:t>
+            </a:r>
+            <a:r>
+              <a:rPr kumimoji="1" lang="ja-JP" altLang="en-US" sz="2000" dirty="0" smtClean="0"/>
+              <a:t>：立猿楽小学校で行った</a:t>
+            </a:r>
+            <a:endParaRPr lang="en-US" altLang="ja-JP" sz="2000" dirty="0"/>
+          </a:p>
+          <a:p>
+            <a:r>
+              <a:rPr kumimoji="1" lang="en-US" altLang="ja-JP" sz="2000" dirty="0" smtClean="0"/>
+              <a:t>         </a:t>
+            </a:r>
+            <a:r>
+              <a:rPr kumimoji="1" lang="ja-JP" altLang="en-US" sz="2000" dirty="0" smtClean="0"/>
+              <a:t>プログラミング授業</a:t>
             </a:r>
             <a:endParaRPr kumimoji="1" lang="ja-JP" altLang="en-US" sz="2000" dirty="0"/>
+          </a:p>
+        </p:txBody>
+      </p:sp>
+      <p:sp>
+        <p:nvSpPr>
+          <p:cNvPr id="13" name="テキスト ボックス 12"/>
+          <p:cNvSpPr txBox="1"/>
+          <p:nvPr/>
+        </p:nvSpPr>
+        <p:spPr>
+          <a:xfrm>
+            <a:off x="13401369" y="5479125"/>
+            <a:ext cx="6624827" cy="707886"/>
+          </a:xfrm>
+          <a:prstGeom prst="rect">
+            <a:avLst/>
+          </a:prstGeom>
+          <a:noFill/>
+        </p:spPr>
+        <p:txBody>
+          <a:bodyPr wrap="none" rtlCol="0">
+            <a:spAutoFit/>
+          </a:bodyPr>
+          <a:lstStyle/>
+          <a:p>
+            <a:r>
+              <a:rPr kumimoji="1" lang="en-US" altLang="ja-JP" sz="4000" dirty="0" smtClean="0"/>
+              <a:t>Minecraft</a:t>
+            </a:r>
+            <a:r>
+              <a:rPr kumimoji="1" lang="ja-JP" altLang="en-US" sz="4000" dirty="0" smtClean="0"/>
+              <a:t>を使った教育使用例</a:t>
+            </a:r>
+            <a:endParaRPr kumimoji="1" lang="ja-JP" altLang="en-US" sz="4000" dirty="0"/>
           </a:p>
         </p:txBody>
       </p:sp>

--- a/卒業論文/2016/川崎貴雅/中間発表/1442043_川崎貴雅_中間発表.pptx
+++ b/卒業論文/2016/川崎貴雅/中間発表/1442043_川崎貴雅_中間発表.pptx
@@ -3352,8 +3352,8 @@
         </p:nvSpPr>
         <p:spPr>
           <a:xfrm>
-            <a:off x="570579" y="11199667"/>
-            <a:ext cx="9020255" cy="7723376"/>
+            <a:off x="570579" y="10579184"/>
+            <a:ext cx="9020255" cy="6997487"/>
           </a:xfrm>
           <a:prstGeom prst="rect">
             <a:avLst/>
@@ -3398,8 +3398,8 @@
         </p:nvSpPr>
         <p:spPr>
           <a:xfrm>
-            <a:off x="9764487" y="11162010"/>
-            <a:ext cx="10789345" cy="7723376"/>
+            <a:off x="9764487" y="10541527"/>
+            <a:ext cx="10789345" cy="7035144"/>
           </a:xfrm>
           <a:prstGeom prst="rect">
             <a:avLst/>
@@ -3490,7 +3490,7 @@
         </p:nvSpPr>
         <p:spPr>
           <a:xfrm>
-            <a:off x="9779422" y="11180015"/>
+            <a:off x="9779422" y="10559532"/>
             <a:ext cx="2466532" cy="1104869"/>
           </a:xfrm>
           <a:prstGeom prst="snip1Rect">
@@ -3540,7 +3540,7 @@
         </p:nvSpPr>
         <p:spPr>
           <a:xfrm>
-            <a:off x="914036" y="13235716"/>
+            <a:off x="914036" y="12615233"/>
             <a:ext cx="8783174" cy="1077218"/>
           </a:xfrm>
           <a:prstGeom prst="rect">
@@ -3579,15 +3579,7 @@
             </a:r>
             <a:r>
               <a:rPr kumimoji="1" lang="ja-JP" altLang="en-US" sz="3200" dirty="0" smtClean="0"/>
-              <a:t>トレーニング用の課題・小テスト</a:t>
-            </a:r>
-            <a:r>
-              <a:rPr kumimoji="1" lang="ja-JP" altLang="en-US" sz="3200" dirty="0" smtClean="0"/>
-              <a:t>を製作する</a:t>
-            </a:r>
-            <a:r>
-              <a:rPr kumimoji="1" lang="ja-JP" altLang="en-US" sz="3200" dirty="0" smtClean="0"/>
-              <a:t>．</a:t>
+              <a:t>トレーニング用の課題・小テストを製作する．</a:t>
             </a:r>
             <a:endParaRPr kumimoji="1" lang="ja-JP" altLang="en-US" sz="3200" dirty="0"/>
           </a:p>
@@ -3601,7 +3593,7 @@
         </p:nvSpPr>
         <p:spPr>
           <a:xfrm rot="5400000">
-            <a:off x="4716532" y="14256482"/>
+            <a:off x="4716532" y="13635999"/>
             <a:ext cx="829117" cy="2434263"/>
           </a:xfrm>
           <a:prstGeom prst="homePlate">
@@ -3641,7 +3633,7 @@
         </p:nvSpPr>
         <p:spPr>
           <a:xfrm>
-            <a:off x="914036" y="16634293"/>
+            <a:off x="914036" y="16013810"/>
             <a:ext cx="8709820" cy="1077218"/>
           </a:xfrm>
           <a:prstGeom prst="rect">
@@ -3694,7 +3686,7 @@
         </p:nvSpPr>
         <p:spPr>
           <a:xfrm>
-            <a:off x="570579" y="11234023"/>
+            <a:off x="570579" y="10613540"/>
             <a:ext cx="2444761" cy="1104869"/>
           </a:xfrm>
           <a:prstGeom prst="snip1Rect">
@@ -3794,8 +3786,8 @@
         </p:nvSpPr>
         <p:spPr>
           <a:xfrm>
-            <a:off x="570579" y="19438076"/>
-            <a:ext cx="8246850" cy="4182184"/>
+            <a:off x="570578" y="18153205"/>
+            <a:ext cx="8700045" cy="5619010"/>
           </a:xfrm>
           <a:prstGeom prst="rect">
             <a:avLst/>
@@ -3840,7 +3832,7 @@
         </p:nvSpPr>
         <p:spPr>
           <a:xfrm>
-            <a:off x="570582" y="19449320"/>
+            <a:off x="570582" y="18164450"/>
             <a:ext cx="6483362" cy="1104869"/>
           </a:xfrm>
           <a:prstGeom prst="snip1Rect">
@@ -3890,8 +3882,8 @@
         </p:nvSpPr>
         <p:spPr>
           <a:xfrm>
-            <a:off x="802396" y="20676863"/>
-            <a:ext cx="7783213" cy="3046988"/>
+            <a:off x="802396" y="19391993"/>
+            <a:ext cx="8468227" cy="4031873"/>
           </a:xfrm>
           <a:prstGeom prst="rect">
             <a:avLst/>
@@ -3922,38 +3914,11 @@
             </a:r>
             <a:r>
               <a:rPr lang="ja-JP" altLang="en-US" sz="3200" dirty="0" smtClean="0"/>
-              <a:t>トレーニング課題</a:t>
-            </a:r>
-            <a:endParaRPr lang="en-US" altLang="ja-JP" sz="3200" dirty="0" smtClean="0"/>
-          </a:p>
-          <a:p>
+              <a:t>トレーニング</a:t>
+            </a:r>
             <a:r>
               <a:rPr lang="ja-JP" altLang="en-US" sz="3200" dirty="0" smtClean="0"/>
-              <a:t>現在製作しているのは倉庫</a:t>
-            </a:r>
-            <a:r>
-              <a:rPr lang="ja-JP" altLang="en-US" sz="3200" dirty="0"/>
-              <a:t>を資金と時間と</a:t>
-            </a:r>
-            <a:r>
-              <a:rPr lang="ja-JP" altLang="en-US" sz="3200" dirty="0" smtClean="0"/>
-              <a:t>品質の</a:t>
-            </a:r>
-            <a:r>
-              <a:rPr lang="ja-JP" altLang="en-US" sz="3200" dirty="0" smtClean="0"/>
-              <a:t>要素</a:t>
-            </a:r>
-            <a:r>
-              <a:rPr lang="ja-JP" altLang="en-US" sz="3200" dirty="0"/>
-              <a:t>から一番利益が出る</a:t>
-            </a:r>
-            <a:r>
-              <a:rPr lang="ja-JP" altLang="en-US" sz="3200" dirty="0" smtClean="0"/>
-              <a:t>方法を考案・実行</a:t>
-            </a:r>
-            <a:r>
-              <a:rPr lang="ja-JP" altLang="en-US" sz="3200" dirty="0"/>
-              <a:t>するというものである．</a:t>
+              <a:t>課題</a:t>
             </a:r>
             <a:endParaRPr lang="en-US" altLang="ja-JP" sz="3200" dirty="0" smtClean="0"/>
           </a:p>
@@ -3962,9 +3927,62 @@
               <a:buFont typeface="Arial" panose="020B0604020202020204" pitchFamily="34" charset="0"/>
               <a:buChar char="•"/>
             </a:pPr>
+            <a:endParaRPr lang="en-US" altLang="ja-JP" sz="3200" dirty="0"/>
+          </a:p>
+          <a:p>
+            <a:pPr marL="457200" indent="-457200">
+              <a:buFont typeface="Arial" panose="020B0604020202020204" pitchFamily="34" charset="0"/>
+              <a:buChar char="•"/>
+            </a:pPr>
+            <a:r>
+              <a:rPr lang="ja-JP" altLang="en-US" sz="3200" dirty="0"/>
+              <a:t>課題は</a:t>
+            </a:r>
+            <a:r>
+              <a:rPr lang="en-US" altLang="ja-JP" sz="3200" dirty="0"/>
+              <a:t>5×7×4</a:t>
+            </a:r>
+            <a:r>
+              <a:rPr lang="ja-JP" altLang="en-US" sz="3200" dirty="0"/>
+              <a:t>の倉庫を建築</a:t>
+            </a:r>
             <a:r>
               <a:rPr lang="ja-JP" altLang="en-US" sz="3200" dirty="0" smtClean="0"/>
-              <a:t>小テスト・小テストの結果一覧</a:t>
+              <a:t>する中で，資金</a:t>
+            </a:r>
+            <a:r>
+              <a:rPr lang="ja-JP" altLang="en-US" sz="3200" dirty="0"/>
+              <a:t>と時間と</a:t>
+            </a:r>
+            <a:r>
+              <a:rPr lang="ja-JP" altLang="en-US" sz="3200" dirty="0" smtClean="0"/>
+              <a:t>品質の要素から一番</a:t>
+            </a:r>
+            <a:r>
+              <a:rPr lang="ja-JP" altLang="en-US" sz="3200" dirty="0"/>
+              <a:t>利益が出る方法を考案・実行するというものである．</a:t>
+            </a:r>
+            <a:endParaRPr lang="en-US" altLang="ja-JP" sz="3200" dirty="0"/>
+          </a:p>
+          <a:p>
+            <a:pPr marL="457200" indent="-457200">
+              <a:buFont typeface="Arial" panose="020B0604020202020204" pitchFamily="34" charset="0"/>
+              <a:buChar char="•"/>
+            </a:pPr>
+            <a:endParaRPr lang="en-US" altLang="ja-JP" sz="3200" dirty="0" smtClean="0"/>
+          </a:p>
+          <a:p>
+            <a:pPr marL="457200" indent="-457200">
+              <a:buFont typeface="Arial" panose="020B0604020202020204" pitchFamily="34" charset="0"/>
+              <a:buChar char="•"/>
+            </a:pPr>
+            <a:r>
+              <a:rPr lang="ja-JP" altLang="en-US" sz="3200" dirty="0" smtClean="0"/>
+              <a:t>小テスト・小テストの</a:t>
+            </a:r>
+            <a:r>
+              <a:rPr lang="ja-JP" altLang="en-US" sz="3200" dirty="0" smtClean="0"/>
+              <a:t>結果一覧</a:t>
             </a:r>
             <a:endParaRPr lang="en-US" altLang="ja-JP" sz="3200" dirty="0" smtClean="0"/>
           </a:p>
@@ -3981,8 +3999,8 @@
         </p:nvSpPr>
         <p:spPr>
           <a:xfrm>
-            <a:off x="9764487" y="19421204"/>
-            <a:ext cx="10789345" cy="4182185"/>
+            <a:off x="9764487" y="18136333"/>
+            <a:ext cx="10789345" cy="5635881"/>
           </a:xfrm>
           <a:prstGeom prst="rect">
             <a:avLst/>
@@ -4123,8 +4141,8 @@
         </p:nvSpPr>
         <p:spPr>
           <a:xfrm>
-            <a:off x="10211093" y="20659397"/>
-            <a:ext cx="9848876" cy="3046988"/>
+            <a:off x="10211093" y="19374527"/>
+            <a:ext cx="9848876" cy="4031873"/>
           </a:xfrm>
           <a:prstGeom prst="rect">
             <a:avLst/>
@@ -4143,19 +4161,23 @@
             </a:pPr>
             <a:r>
               <a:rPr lang="ja-JP" altLang="en-US" sz="3200" dirty="0"/>
-              <a:t>教育活用例を調査し，課題に活用するのは資金と時間と</a:t>
+              <a:t>教育活用例を調査し</a:t>
             </a:r>
             <a:r>
               <a:rPr lang="ja-JP" altLang="en-US" sz="3200" dirty="0" smtClean="0"/>
-              <a:t>品質から出来るトレードオフ</a:t>
+              <a:t>，課題</a:t>
             </a:r>
             <a:r>
               <a:rPr lang="ja-JP" altLang="en-US" sz="3200" dirty="0"/>
-              <a:t>の関係を使うことに決め，課題の</a:t>
+              <a:t>の</a:t>
             </a:r>
             <a:r>
               <a:rPr lang="ja-JP" altLang="en-US" sz="3200" dirty="0" smtClean="0"/>
-              <a:t>製作している．</a:t>
+              <a:t>製作している</a:t>
+            </a:r>
+            <a:r>
+              <a:rPr lang="ja-JP" altLang="en-US" sz="3200" dirty="0" smtClean="0"/>
+              <a:t>．</a:t>
             </a:r>
             <a:endParaRPr lang="en-US" altLang="ja-JP" sz="3200" dirty="0" smtClean="0"/>
           </a:p>
@@ -4164,7 +4186,7 @@
               <a:buFont typeface="Arial" panose="020B0604020202020204" pitchFamily="34" charset="0"/>
               <a:buChar char="•"/>
             </a:pPr>
-            <a:endParaRPr lang="en-US" altLang="ja-JP" sz="3200" dirty="0" smtClean="0"/>
+            <a:endParaRPr lang="en-US" altLang="ja-JP" sz="3200" dirty="0"/>
           </a:p>
           <a:p>
             <a:pPr marL="457200" indent="-457200">
@@ -4172,6 +4194,44 @@
               <a:buChar char="•"/>
             </a:pPr>
             <a:r>
+              <a:rPr lang="ja-JP" altLang="en-US" sz="3200" dirty="0" smtClean="0"/>
+              <a:t>課題は</a:t>
+            </a:r>
+            <a:r>
+              <a:rPr lang="en-US" altLang="ja-JP" sz="3200" dirty="0" smtClean="0"/>
+              <a:t>5×7×4</a:t>
+            </a:r>
+            <a:r>
+              <a:rPr lang="ja-JP" altLang="en-US" sz="3200" dirty="0" smtClean="0"/>
+              <a:t>の倉庫を建築するというものを製作して</a:t>
+            </a:r>
+            <a:r>
+              <a:rPr lang="ja-JP" altLang="en-US" sz="3200" dirty="0"/>
+              <a:t>いる</a:t>
+            </a:r>
+            <a:r>
+              <a:rPr lang="ja-JP" altLang="en-US" sz="3200" dirty="0" smtClean="0"/>
+              <a:t>．その中で資金</a:t>
+            </a:r>
+            <a:r>
+              <a:rPr lang="ja-JP" altLang="en-US" sz="3200" dirty="0"/>
+              <a:t>と時間と品質から出来るトレードオフの関係</a:t>
+            </a:r>
+            <a:r>
+              <a:rPr lang="ja-JP" altLang="en-US" sz="3200" dirty="0" smtClean="0"/>
+              <a:t>を成立させるように調整を行っている．</a:t>
+            </a:r>
+            <a:endParaRPr lang="en-US" altLang="ja-JP" sz="3200" dirty="0" smtClean="0"/>
+          </a:p>
+          <a:p>
+            <a:endParaRPr lang="en-US" altLang="ja-JP" sz="3200" dirty="0" smtClean="0"/>
+          </a:p>
+          <a:p>
+            <a:pPr marL="457200" indent="-457200">
+              <a:buFont typeface="Arial" panose="020B0604020202020204" pitchFamily="34" charset="0"/>
+              <a:buChar char="•"/>
+            </a:pPr>
+            <a:r>
               <a:rPr lang="ja-JP" altLang="en-US" sz="3200" dirty="0"/>
               <a:t>ほかに</a:t>
             </a:r>
@@ -4189,11 +4249,11 @@
             </a:r>
             <a:r>
               <a:rPr lang="ja-JP" altLang="en-US" sz="3200" dirty="0"/>
-              <a:t>調査をしている</a:t>
+              <a:t>調査をして</a:t>
             </a:r>
             <a:r>
               <a:rPr lang="ja-JP" altLang="en-US" sz="3200" dirty="0" smtClean="0"/>
-              <a:t>．</a:t>
+              <a:t>いる．</a:t>
             </a:r>
             <a:endParaRPr lang="en-US" altLang="ja-JP" sz="3200" dirty="0" smtClean="0"/>
           </a:p>
@@ -4208,7 +4268,7 @@
         <p:spPr>
           <a:xfrm>
             <a:off x="740055" y="25917711"/>
-            <a:ext cx="20315177" cy="3046988"/>
+            <a:ext cx="19813777" cy="3046988"/>
           </a:xfrm>
           <a:prstGeom prst="rect">
             <a:avLst/>
@@ -4216,7 +4276,7 @@
           <a:noFill/>
         </p:spPr>
         <p:txBody>
-          <a:bodyPr wrap="none" rtlCol="0">
+          <a:bodyPr wrap="square" rtlCol="0">
             <a:spAutoFit/>
           </a:bodyPr>
           <a:lstStyle/>
@@ -4247,22 +4307,11 @@
             </a:r>
             <a:r>
               <a:rPr lang="ja-JP" altLang="en-US" sz="3200" dirty="0" smtClean="0"/>
-              <a:t>をゲームデザイン関連の書籍を用いて修正を行い</a:t>
-            </a:r>
-            <a:endParaRPr lang="en-US" altLang="ja-JP" sz="3200" dirty="0" smtClean="0"/>
-          </a:p>
-          <a:p>
+              <a:t>をゲームデザイン関連の書籍を用いて修正を</a:t>
+            </a:r>
             <a:r>
               <a:rPr lang="ja-JP" altLang="en-US" sz="3200" dirty="0" smtClean="0"/>
-              <a:t>体験</a:t>
-            </a:r>
-            <a:r>
-              <a:rPr lang="ja-JP" altLang="en-US" sz="3200" dirty="0"/>
-              <a:t>できる状態にする</a:t>
-            </a:r>
-            <a:r>
-              <a:rPr lang="ja-JP" altLang="en-US" sz="3200" dirty="0" smtClean="0"/>
-              <a:t>．</a:t>
+              <a:t>行い体験できる状態にする．</a:t>
             </a:r>
             <a:endParaRPr lang="en-US" altLang="ja-JP" sz="3200" dirty="0" smtClean="0"/>
           </a:p>
@@ -4324,7 +4373,7 @@
         </p:nvSpPr>
         <p:spPr>
           <a:xfrm>
-            <a:off x="9764487" y="19436415"/>
+            <a:off x="9764487" y="18151545"/>
             <a:ext cx="6483362" cy="1104869"/>
           </a:xfrm>
           <a:prstGeom prst="snip1Rect">
@@ -4415,7 +4464,7 @@
         </p:nvSpPr>
         <p:spPr>
           <a:xfrm rot="5400000">
-            <a:off x="14639754" y="9034811"/>
+            <a:off x="14639754" y="8414328"/>
             <a:ext cx="1584707" cy="8363027"/>
           </a:xfrm>
           <a:prstGeom prst="homePlate">
@@ -4454,7 +4503,7 @@
         </p:nvSpPr>
         <p:spPr>
           <a:xfrm>
-            <a:off x="12677795" y="12796488"/>
+            <a:off x="12677795" y="12176005"/>
             <a:ext cx="5508623" cy="584775"/>
           </a:xfrm>
           <a:prstGeom prst="rect">
@@ -4488,7 +4537,7 @@
         </p:nvSpPr>
         <p:spPr>
           <a:xfrm>
-            <a:off x="12673960" y="14754995"/>
+            <a:off x="12673960" y="14134512"/>
             <a:ext cx="4923143" cy="584775"/>
           </a:xfrm>
           <a:prstGeom prst="rect">
@@ -4513,11 +4562,7 @@
             </a:r>
             <a:r>
               <a:rPr lang="ja-JP" altLang="en-US" sz="3200" dirty="0" smtClean="0"/>
-              <a:t>課題</a:t>
-            </a:r>
-            <a:r>
-              <a:rPr lang="ja-JP" altLang="en-US" sz="3200" dirty="0" smtClean="0"/>
-              <a:t>の製作</a:t>
+              <a:t>課題の製作</a:t>
             </a:r>
             <a:endParaRPr lang="ja-JP" altLang="en-US" sz="3200" dirty="0"/>
           </a:p>
@@ -4531,7 +4576,7 @@
         </p:nvSpPr>
         <p:spPr>
           <a:xfrm>
-            <a:off x="13232990" y="16707091"/>
+            <a:off x="13232990" y="16086608"/>
             <a:ext cx="3852337" cy="584775"/>
           </a:xfrm>
           <a:prstGeom prst="rect">
@@ -4569,7 +4614,7 @@
         </p:nvSpPr>
         <p:spPr>
           <a:xfrm rot="5400000">
-            <a:off x="14639754" y="10992036"/>
+            <a:off x="14639754" y="10371553"/>
             <a:ext cx="1584707" cy="8363027"/>
           </a:xfrm>
           <a:prstGeom prst="homePlate">
@@ -4608,7 +4653,7 @@
         </p:nvSpPr>
         <p:spPr>
           <a:xfrm rot="5400000">
-            <a:off x="14639752" y="12943570"/>
+            <a:off x="14639752" y="12323087"/>
             <a:ext cx="1584707" cy="8363027"/>
           </a:xfrm>
           <a:prstGeom prst="homePlate">
